--- a/PrezentareAplicatieFeedback.pptx
+++ b/PrezentareAplicatieFeedback.pptx
@@ -5,7 +5,7 @@
     <p:sldMasterId id="2147483768" r:id="rId1"/>
   </p:sldMasterIdLst>
   <p:notesMasterIdLst>
-    <p:notesMasterId r:id="rId39"/>
+    <p:notesMasterId r:id="rId40"/>
   </p:notesMasterIdLst>
   <p:sldIdLst>
     <p:sldId id="256" r:id="rId2"/>
@@ -45,6 +45,7 @@
     <p:sldId id="292" r:id="rId36"/>
     <p:sldId id="295" r:id="rId37"/>
     <p:sldId id="294" r:id="rId38"/>
+    <p:sldId id="296" r:id="rId39"/>
   </p:sldIdLst>
   <p:sldSz cx="9144000" cy="6858000" type="screen4x3"/>
   <p:notesSz cx="6858000" cy="9144000"/>
@@ -7789,6 +7790,102 @@
             <a:fld id="{22EDA5FE-AF67-4C1C-A585-4ACF5843C0A3}" type="slidenum">
               <a:rPr lang="ro-RO" smtClean="0"/>
               <a:t>35</a:t>
+            </a:fld>
+            <a:endParaRPr lang="ro-RO"/>
+          </a:p>
+        </p:txBody>
+      </p:sp>
+    </p:spTree>
+    <p:extLst>
+      <p:ext uri="{BB962C8B-B14F-4D97-AF65-F5344CB8AC3E}">
+        <p14:creationId xmlns:p14="http://schemas.microsoft.com/office/powerpoint/2010/main" val="1099605574"/>
+      </p:ext>
+    </p:extLst>
+  </p:cSld>
+  <p:clrMapOvr>
+    <a:masterClrMapping/>
+  </p:clrMapOvr>
+</p:notes>
+</file>
+
+<file path=ppt/notesSlides/notesSlide35.xml><?xml version="1.0" encoding="utf-8"?>
+<p:notes xmlns:a="http://schemas.openxmlformats.org/drawingml/2006/main" xmlns:r="http://schemas.openxmlformats.org/officeDocument/2006/relationships" xmlns:p="http://schemas.openxmlformats.org/presentationml/2006/main">
+  <p:cSld>
+    <p:spTree>
+      <p:nvGrpSpPr>
+        <p:cNvPr id="1" name=""/>
+        <p:cNvGrpSpPr/>
+        <p:nvPr/>
+      </p:nvGrpSpPr>
+      <p:grpSpPr>
+        <a:xfrm>
+          <a:off x="0" y="0"/>
+          <a:ext cx="0" cy="0"/>
+          <a:chOff x="0" y="0"/>
+          <a:chExt cx="0" cy="0"/>
+        </a:xfrm>
+      </p:grpSpPr>
+      <p:sp>
+        <p:nvSpPr>
+          <p:cNvPr id="2" name="Slide Image Placeholder 1"/>
+          <p:cNvSpPr>
+            <a:spLocks noGrp="1" noRot="1" noChangeAspect="1"/>
+          </p:cNvSpPr>
+          <p:nvPr>
+            <p:ph type="sldImg"/>
+          </p:nvPr>
+        </p:nvSpPr>
+        <p:spPr/>
+      </p:sp>
+      <p:sp>
+        <p:nvSpPr>
+          <p:cNvPr id="3" name="Notes Placeholder 2"/>
+          <p:cNvSpPr>
+            <a:spLocks noGrp="1"/>
+          </p:cNvSpPr>
+          <p:nvPr>
+            <p:ph type="body" idx="1"/>
+          </p:nvPr>
+        </p:nvSpPr>
+        <p:spPr/>
+        <p:txBody>
+          <a:bodyPr/>
+          <a:lstStyle/>
+          <a:p>
+            <a:r>
+              <a:rPr lang="ro-RO" sz="1200" kern="1200" dirty="0" smtClean="0">
+                <a:solidFill>
+                  <a:schemeClr val="tx1"/>
+                </a:solidFill>
+                <a:effectLst/>
+                <a:latin typeface="+mn-lt"/>
+                <a:ea typeface="+mn-ea"/>
+                <a:cs typeface="+mn-cs"/>
+              </a:rPr>
+              <a:t>Și nu în ultimul rând o alta modificare pe care țin să preciez că ar ușura munca administratorului, este posibilitatea de introducere a informaților în baza de date printr-un import a unui scrip sql. Motiv pentru care nu am impletat acest lucru este pentru ca mi-a fost cerut implementarea importului csv a fiecărei tabele in parte, ceea ce reprezintă două importuri pe anumite entități.</a:t>
+            </a:r>
+            <a:endParaRPr lang="ro-RO" dirty="0"/>
+          </a:p>
+        </p:txBody>
+      </p:sp>
+      <p:sp>
+        <p:nvSpPr>
+          <p:cNvPr id="4" name="Slide Number Placeholder 3"/>
+          <p:cNvSpPr>
+            <a:spLocks noGrp="1"/>
+          </p:cNvSpPr>
+          <p:nvPr>
+            <p:ph type="sldNum" sz="quarter" idx="10"/>
+          </p:nvPr>
+        </p:nvSpPr>
+        <p:spPr/>
+        <p:txBody>
+          <a:bodyPr/>
+          <a:lstStyle/>
+          <a:p>
+            <a:fld id="{22EDA5FE-AF67-4C1C-A585-4ACF5843C0A3}" type="slidenum">
+              <a:rPr lang="ro-RO" smtClean="0"/>
+              <a:t>38</a:t>
             </a:fld>
             <a:endParaRPr lang="ro-RO"/>
           </a:p>
@@ -11811,7 +11908,6 @@
               <a:rPr lang="ro-RO" dirty="0" smtClean="0"/>
               <a:t>Motivație</a:t>
             </a:r>
-            <a:endParaRPr lang="ro-RO" dirty="0" smtClean="0"/>
           </a:p>
         </p:txBody>
       </p:sp>
@@ -13039,11 +13135,7 @@
             </a:pPr>
             <a:r>
               <a:rPr lang="ro-RO" dirty="0" smtClean="0"/>
-              <a:t>Cum am rezolvat</a:t>
-            </a:r>
-            <a:r>
-              <a:rPr lang="ro-RO" dirty="0" smtClean="0"/>
-              <a:t> această problemă?</a:t>
+              <a:t>Cum am rezolvat această problemă?</a:t>
             </a:r>
           </a:p>
         </p:txBody>
@@ -13572,7 +13664,6 @@
               <a:rPr lang="ro-RO" dirty="0" smtClean="0"/>
               <a:t>profesor</a:t>
             </a:r>
-            <a:endParaRPr lang="ro-RO" dirty="0" smtClean="0"/>
           </a:p>
         </p:txBody>
       </p:sp>
@@ -13726,7 +13817,6 @@
               <a:rPr lang="ro-RO" dirty="0" smtClean="0"/>
               <a:t>profesor</a:t>
             </a:r>
-            <a:endParaRPr lang="ro-RO" dirty="0" smtClean="0"/>
           </a:p>
         </p:txBody>
       </p:sp>
@@ -15347,6 +15437,137 @@
     <p:extLst>
       <p:ext uri="{BB962C8B-B14F-4D97-AF65-F5344CB8AC3E}">
         <p14:creationId xmlns:p14="http://schemas.microsoft.com/office/powerpoint/2010/main" val="3271378332"/>
+      </p:ext>
+    </p:extLst>
+  </p:cSld>
+  <p:clrMapOvr>
+    <a:masterClrMapping/>
+  </p:clrMapOvr>
+  <p:timing>
+    <p:tnLst>
+      <p:par>
+        <p:cTn id="1" dur="indefinite" restart="never" nodeType="tmRoot"/>
+      </p:par>
+    </p:tnLst>
+  </p:timing>
+</p:sld>
+</file>
+
+<file path=ppt/slides/slide38.xml><?xml version="1.0" encoding="utf-8"?>
+<p:sld xmlns:a="http://schemas.openxmlformats.org/drawingml/2006/main" xmlns:r="http://schemas.openxmlformats.org/officeDocument/2006/relationships" xmlns:p="http://schemas.openxmlformats.org/presentationml/2006/main">
+  <p:cSld>
+    <p:bg>
+      <p:bgPr>
+        <a:blipFill dpi="0" rotWithShape="1">
+          <a:blip r:embed="rId3">
+            <a:lum/>
+          </a:blip>
+          <a:srcRect/>
+          <a:stretch>
+            <a:fillRect l="-5000" r="-5000"/>
+          </a:stretch>
+        </a:blipFill>
+        <a:effectLst/>
+      </p:bgPr>
+    </p:bg>
+    <p:spTree>
+      <p:nvGrpSpPr>
+        <p:cNvPr id="1" name=""/>
+        <p:cNvGrpSpPr/>
+        <p:nvPr/>
+      </p:nvGrpSpPr>
+      <p:grpSpPr>
+        <a:xfrm>
+          <a:off x="0" y="0"/>
+          <a:ext cx="0" cy="0"/>
+          <a:chOff x="0" y="0"/>
+          <a:chExt cx="0" cy="0"/>
+        </a:xfrm>
+      </p:grpSpPr>
+      <p:sp>
+        <p:nvSpPr>
+          <p:cNvPr id="2" name="Title 1"/>
+          <p:cNvSpPr>
+            <a:spLocks noGrp="1"/>
+          </p:cNvSpPr>
+          <p:nvPr>
+            <p:ph type="title"/>
+          </p:nvPr>
+        </p:nvSpPr>
+        <p:spPr/>
+        <p:txBody>
+          <a:bodyPr/>
+          <a:lstStyle/>
+          <a:p>
+            <a:r>
+              <a:rPr lang="ro-RO" dirty="0" smtClean="0"/>
+              <a:t>Surse</a:t>
+            </a:r>
+            <a:endParaRPr lang="ro-RO" dirty="0"/>
+          </a:p>
+        </p:txBody>
+      </p:sp>
+      <p:sp>
+        <p:nvSpPr>
+          <p:cNvPr id="3" name="Content Placeholder 2"/>
+          <p:cNvSpPr>
+            <a:spLocks noGrp="1"/>
+          </p:cNvSpPr>
+          <p:nvPr>
+            <p:ph sz="half" idx="1"/>
+          </p:nvPr>
+        </p:nvSpPr>
+        <p:spPr>
+          <a:xfrm>
+            <a:off x="838200" y="2286000"/>
+            <a:ext cx="7086600" cy="2438400"/>
+          </a:xfrm>
+        </p:spPr>
+        <p:txBody>
+          <a:bodyPr>
+            <a:normAutofit/>
+          </a:bodyPr>
+          <a:lstStyle/>
+          <a:p>
+            <a:pPr>
+              <a:lnSpc>
+                <a:spcPct val="120000"/>
+              </a:lnSpc>
+            </a:pPr>
+            <a:r>
+              <a:rPr lang="en-US" sz="1600" u="sng" dirty="0">
+                <a:hlinkClick r:id="rId4"/>
+              </a:rPr>
+              <a:t>https://</a:t>
+            </a:r>
+            <a:r>
+              <a:rPr lang="en-US" sz="1600" u="sng" dirty="0" smtClean="0">
+                <a:hlinkClick r:id="rId4"/>
+              </a:rPr>
+              <a:t>www.eleapsoftware.com/wp-content/uploads/2018/11/employee-survey-questions-are-essential-for-providing-effective-training-feedback.jpg</a:t>
+            </a:r>
+            <a:endParaRPr lang="ro-RO" sz="1600" u="sng" dirty="0" smtClean="0"/>
+          </a:p>
+          <a:p>
+            <a:pPr>
+              <a:lnSpc>
+                <a:spcPct val="120000"/>
+              </a:lnSpc>
+            </a:pPr>
+            <a:r>
+              <a:rPr lang="ro-RO" sz="1600" u="sng" dirty="0">
+                <a:hlinkClick r:id="rId5"/>
+              </a:rPr>
+              <a:t>https://codehangar.io/content/images/2015/11/Screen-Shot-2015-11-20-at-11-02-56-AM.png</a:t>
+            </a:r>
+            <a:endParaRPr lang="ro-RO" sz="1600" dirty="0"/>
+          </a:p>
+        </p:txBody>
+      </p:sp>
+    </p:spTree>
+    <p:extLst>
+      <p:ext uri="{BB962C8B-B14F-4D97-AF65-F5344CB8AC3E}">
+        <p14:creationId xmlns:p14="http://schemas.microsoft.com/office/powerpoint/2010/main" val="882599564"/>
       </p:ext>
     </p:extLst>
   </p:cSld>
